--- a/zamanna presentation.pptx
+++ b/zamanna presentation.pptx
@@ -7,10 +7,11 @@
   <p:sldIdLst>
     <p:sldId id="256" r:id="rId2"/>
     <p:sldId id="257" r:id="rId3"/>
-    <p:sldId id="258" r:id="rId4"/>
-    <p:sldId id="259" r:id="rId5"/>
-    <p:sldId id="260" r:id="rId6"/>
-    <p:sldId id="261" r:id="rId7"/>
+    <p:sldId id="262" r:id="rId4"/>
+    <p:sldId id="258" r:id="rId5"/>
+    <p:sldId id="259" r:id="rId6"/>
+    <p:sldId id="260" r:id="rId7"/>
+    <p:sldId id="261" r:id="rId8"/>
   </p:sldIdLst>
   <p:sldSz cx="12192000" cy="6858000"/>
   <p:notesSz cx="6858000" cy="9144000"/>
@@ -109,6 +110,11 @@
       </a:defRPr>
     </a:lvl9pPr>
   </p:defaultTextStyle>
+  <p:extLst>
+    <p:ext uri="{EFAFB233-063F-42B5-8137-9DF3F51BA10A}">
+      <p15:sldGuideLst xmlns:p15="http://schemas.microsoft.com/office/powerpoint/2012/main"/>
+    </p:ext>
+  </p:extLst>
 </p:presentation>
 </file>
 
@@ -5807,7 +5813,7 @@
         </p:blipFill>
         <p:spPr>
           <a:xfrm>
-            <a:off x="932270" y="2683362"/>
+            <a:off x="402040" y="2432499"/>
             <a:ext cx="2143125" cy="2143125"/>
           </a:xfrm>
           <a:prstGeom prst="rect">
@@ -5837,7 +5843,7 @@
         </p:blipFill>
         <p:spPr>
           <a:xfrm>
-            <a:off x="3964144" y="4134610"/>
+            <a:off x="2822830" y="4575624"/>
             <a:ext cx="2428875" cy="1876425"/>
           </a:xfrm>
           <a:prstGeom prst="rect">
@@ -5867,8 +5873,140 @@
         </p:blipFill>
         <p:spPr>
           <a:xfrm>
-            <a:off x="6999178" y="2502962"/>
+            <a:off x="3032157" y="2576659"/>
             <a:ext cx="2543175" cy="1800225"/>
+          </a:xfrm>
+          <a:prstGeom prst="rect">
+            <a:avLst/>
+          </a:prstGeom>
+        </p:spPr>
+      </p:pic>
+      <p:sp>
+        <p:nvSpPr>
+          <p:cNvPr id="3" name="Nuage 2"/>
+          <p:cNvSpPr/>
+          <p:nvPr/>
+        </p:nvSpPr>
+        <p:spPr>
+          <a:xfrm>
+            <a:off x="7422875" y="4376884"/>
+            <a:ext cx="3956364" cy="2245725"/>
+          </a:xfrm>
+          <a:prstGeom prst="cloud">
+            <a:avLst/>
+          </a:prstGeom>
+          <a:solidFill>
+            <a:schemeClr val="tx1"/>
+          </a:solidFill>
+        </p:spPr>
+        <p:style>
+          <a:lnRef idx="2">
+            <a:schemeClr val="accent1">
+              <a:shade val="50000"/>
+            </a:schemeClr>
+          </a:lnRef>
+          <a:fillRef idx="1">
+            <a:schemeClr val="accent1"/>
+          </a:fillRef>
+          <a:effectRef idx="0">
+            <a:schemeClr val="accent1"/>
+          </a:effectRef>
+          <a:fontRef idx="minor">
+            <a:schemeClr val="lt1"/>
+          </a:fontRef>
+        </p:style>
+        <p:txBody>
+          <a:bodyPr rtlCol="0" anchor="ctr"/>
+          <a:lstStyle/>
+          <a:p>
+            <a:pPr algn="ctr"/>
+            <a:r>
+              <a:rPr lang="en-US" dirty="0" smtClean="0">
+                <a:solidFill>
+                  <a:schemeClr val="bg1"/>
+                </a:solidFill>
+              </a:rPr>
+              <a:t>allows </a:t>
+            </a:r>
+            <a:r>
+              <a:rPr lang="en-US" dirty="0">
+                <a:solidFill>
+                  <a:schemeClr val="bg1"/>
+                </a:solidFill>
+              </a:rPr>
+              <a:t>you to accept payments from customers using credit cards, debit cards, and other popular payment methods.</a:t>
+            </a:r>
+            <a:endParaRPr lang="fr-FR" dirty="0">
+              <a:solidFill>
+                <a:schemeClr val="bg1"/>
+              </a:solidFill>
+            </a:endParaRPr>
+          </a:p>
+        </p:txBody>
+      </p:sp>
+      <p:sp>
+        <p:nvSpPr>
+          <p:cNvPr id="8" name="AutoShape 4" descr="logo-stripe logo-stripe BEC Exam Guide | BEC Exam Guide"/>
+          <p:cNvSpPr>
+            <a:spLocks noChangeAspect="1" noChangeArrowheads="1"/>
+          </p:cNvSpPr>
+          <p:nvPr/>
+        </p:nvSpPr>
+        <p:spPr bwMode="auto">
+          <a:xfrm>
+            <a:off x="9888049" y="1684337"/>
+            <a:ext cx="1909883" cy="1909889"/>
+          </a:xfrm>
+          <a:prstGeom prst="rect">
+            <a:avLst/>
+          </a:prstGeom>
+          <a:noFill/>
+          <a:extLst>
+            <a:ext uri="{909E8E84-426E-40DD-AFC4-6F175D3DCCD1}">
+              <a14:hiddenFill xmlns:a14="http://schemas.microsoft.com/office/drawing/2010/main">
+                <a:solidFill>
+                  <a:srgbClr val="FFFFFF"/>
+                </a:solidFill>
+              </a14:hiddenFill>
+            </a:ext>
+          </a:extLst>
+        </p:spPr>
+        <p:txBody>
+          <a:bodyPr vert="horz" wrap="square" lIns="91440" tIns="45720" rIns="91440" bIns="45720" numCol="1" anchor="t" anchorCtr="0" compatLnSpc="1">
+            <a:prstTxWarp prst="textNoShape">
+              <a:avLst/>
+            </a:prstTxWarp>
+          </a:bodyPr>
+          <a:lstStyle/>
+          <a:p>
+            <a:endParaRPr lang="fr-FR"/>
+          </a:p>
+        </p:txBody>
+      </p:sp>
+      <p:pic>
+        <p:nvPicPr>
+          <p:cNvPr id="9" name="Image 8"/>
+          <p:cNvPicPr>
+            <a:picLocks noChangeAspect="1"/>
+          </p:cNvPicPr>
+          <p:nvPr/>
+        </p:nvPicPr>
+        <p:blipFill>
+          <a:blip r:embed="rId5">
+            <a:extLst>
+              <a:ext uri="{28A0092B-C50C-407E-A947-70E740481C1C}">
+                <a14:useLocalDpi xmlns:a14="http://schemas.microsoft.com/office/drawing/2010/main" val="0"/>
+              </a:ext>
+            </a:extLst>
+          </a:blip>
+          <a:stretch>
+            <a:fillRect/>
+          </a:stretch>
+        </p:blipFill>
+        <p:spPr>
+          <a:xfrm>
+            <a:off x="7422875" y="3471907"/>
+            <a:ext cx="3800475" cy="1200150"/>
           </a:xfrm>
           <a:prstGeom prst="rect">
             <a:avLst/>
@@ -5955,14 +6093,19 @@
         </p:nvSpPr>
         <p:spPr>
           <a:xfrm>
-            <a:off x="351409" y="1101334"/>
-            <a:ext cx="9426334" cy="2538159"/>
+            <a:off x="351408" y="1101334"/>
+            <a:ext cx="9978595" cy="3986714"/>
           </a:xfrm>
         </p:spPr>
         <p:txBody>
           <a:bodyPr/>
           <a:lstStyle/>
           <a:p>
+            <a:pPr>
+              <a:lnSpc>
+                <a:spcPct val="200000"/>
+              </a:lnSpc>
+            </a:pPr>
             <a:r>
               <a:rPr lang="fr-FR" sz="2400" dirty="0" smtClean="0"/>
               <a:t>Le </a:t>
@@ -6044,208 +6187,273 @@
             <p:ph type="title"/>
           </p:nvPr>
         </p:nvSpPr>
+        <p:spPr/>
+        <p:txBody>
+          <a:bodyPr/>
+          <a:lstStyle/>
+          <a:p>
+            <a:r>
+              <a:rPr lang="fr-FR" dirty="0" smtClean="0"/>
+              <a:t>PRESENTATION DE L’ENTREPRISE</a:t>
+            </a:r>
+            <a:endParaRPr lang="fr-FR" dirty="0"/>
+          </a:p>
+        </p:txBody>
+      </p:sp>
+      <p:sp>
+        <p:nvSpPr>
+          <p:cNvPr id="5" name="ZoneTexte 4"/>
+          <p:cNvSpPr txBox="1"/>
+          <p:nvPr/>
+        </p:nvSpPr>
         <p:spPr>
           <a:xfrm>
-            <a:off x="568692" y="233483"/>
-            <a:ext cx="8596668" cy="925361"/>
+            <a:off x="289709" y="1548141"/>
+            <a:ext cx="9949759" cy="4524315"/>
           </a:xfrm>
+          <a:prstGeom prst="rect">
+            <a:avLst/>
+          </a:prstGeom>
+          <a:noFill/>
         </p:spPr>
         <p:txBody>
-          <a:bodyPr>
-            <a:normAutofit fontScale="90000"/>
+          <a:bodyPr wrap="square" rtlCol="0">
+            <a:spAutoFit/>
           </a:bodyPr>
           <a:lstStyle/>
           <a:p>
-            <a:pPr algn="ctr"/>
-            <a:r>
-              <a:rPr lang="fr-FR" b="1" dirty="0"/>
-              <a:t>2. Objectifs</a:t>
-            </a:r>
-            <a:br>
-              <a:rPr lang="fr-FR" b="1" dirty="0"/>
-            </a:br>
+            <a:r>
+              <a:rPr lang="fr-FR" dirty="0"/>
+              <a:t>Bienvenue chez </a:t>
+            </a:r>
+            <a:r>
+              <a:rPr lang="fr-FR" dirty="0" smtClean="0"/>
+              <a:t> </a:t>
+            </a:r>
+          </a:p>
+          <a:p>
             <a:endParaRPr lang="fr-FR" dirty="0"/>
           </a:p>
-        </p:txBody>
-      </p:sp>
-      <p:sp>
-        <p:nvSpPr>
-          <p:cNvPr id="3" name="Espace réservé du contenu 2"/>
-          <p:cNvSpPr>
-            <a:spLocks noGrp="1"/>
-          </p:cNvSpPr>
-          <p:nvPr>
-            <p:ph idx="1"/>
-          </p:nvPr>
-        </p:nvSpPr>
+          <a:p>
+            <a:endParaRPr lang="fr-FR" dirty="0" smtClean="0"/>
+          </a:p>
+          <a:p>
+            <a:r>
+              <a:rPr lang="fr-FR" dirty="0" smtClean="0"/>
+              <a:t>Une entreprise naissante qui offre une </a:t>
+            </a:r>
+            <a:r>
+              <a:rPr lang="fr-FR" dirty="0"/>
+              <a:t>gamme complète de produits naturels pour votre bien-être. Des soins de la peau aux compléments alimentaires, chaque produit est conçu avec les meilleurs ingrédients </a:t>
+            </a:r>
+            <a:r>
+              <a:rPr lang="fr-FR" dirty="0" smtClean="0"/>
+              <a:t>naturels fabriqué par des marchands locaux.</a:t>
+            </a:r>
+            <a:endParaRPr lang="fr-FR" dirty="0"/>
+          </a:p>
+          <a:p>
+            <a:endParaRPr lang="fr-FR" dirty="0" smtClean="0"/>
+          </a:p>
+          <a:p>
+            <a:r>
+              <a:rPr lang="fr-FR" dirty="0" smtClean="0"/>
+              <a:t>Priorisez </a:t>
+            </a:r>
+            <a:r>
+              <a:rPr lang="fr-FR" dirty="0"/>
+              <a:t>votre santé avec nos suppléments et produits de bien-être. Des solutions naturelles pour un bien-être complet.</a:t>
+            </a:r>
+          </a:p>
+          <a:p>
+            <a:endParaRPr lang="fr-FR" dirty="0" smtClean="0"/>
+          </a:p>
+          <a:p>
+            <a:r>
+              <a:rPr lang="fr-FR" dirty="0" smtClean="0"/>
+              <a:t>Chez </a:t>
+            </a:r>
+            <a:r>
+              <a:rPr lang="fr-FR" dirty="0" err="1" smtClean="0"/>
+              <a:t>Zamanna</a:t>
+            </a:r>
+            <a:r>
+              <a:rPr lang="fr-FR" dirty="0" smtClean="0"/>
+              <a:t>, </a:t>
+            </a:r>
+            <a:r>
+              <a:rPr lang="fr-FR" dirty="0"/>
+              <a:t>nous croyons en la puissance de la nature pour nourrir le corps et l'esprit. Découvrez notre collection pour une beauté et un bien-être naturels</a:t>
+            </a:r>
+            <a:r>
+              <a:rPr lang="fr-FR" dirty="0" smtClean="0"/>
+              <a:t>.</a:t>
+            </a:r>
+          </a:p>
+          <a:p>
+            <a:endParaRPr lang="fr-FR" dirty="0" smtClean="0"/>
+          </a:p>
+          <a:p>
+            <a:r>
+              <a:rPr lang="fr-FR" i="1" dirty="0"/>
+              <a:t>Explorez la beauté naturelle, Vivez en santé naturellement, Expérimentez la différence avec </a:t>
+            </a:r>
+            <a:r>
+              <a:rPr lang="fr-FR" i="1" dirty="0" err="1"/>
+              <a:t>Zamanna</a:t>
+            </a:r>
+            <a:r>
+              <a:rPr lang="fr-FR" i="1" dirty="0"/>
+              <a:t>!</a:t>
+            </a:r>
+          </a:p>
+          <a:p>
+            <a:endParaRPr lang="fr-FR" dirty="0"/>
+          </a:p>
+        </p:txBody>
+      </p:sp>
+      <p:pic>
+        <p:nvPicPr>
+          <p:cNvPr id="8" name="Espace réservé du contenu 3"/>
+          <p:cNvPicPr>
+            <a:picLocks noChangeAspect="1"/>
+          </p:cNvPicPr>
+          <p:nvPr/>
+        </p:nvPicPr>
+        <p:blipFill>
+          <a:blip r:embed="rId2">
+            <a:extLst>
+              <a:ext uri="{28A0092B-C50C-407E-A947-70E740481C1C}">
+                <a14:useLocalDpi xmlns:a14="http://schemas.microsoft.com/office/drawing/2010/main" val="0"/>
+              </a:ext>
+            </a:extLst>
+          </a:blip>
+          <a:stretch>
+            <a:fillRect/>
+          </a:stretch>
+        </p:blipFill>
         <p:spPr>
           <a:xfrm>
-            <a:off x="383934" y="968721"/>
-            <a:ext cx="8966184" cy="4565647"/>
+            <a:off x="2766825" y="1161345"/>
+            <a:ext cx="5145903" cy="1146031"/>
           </a:xfrm>
-        </p:spPr>
-        <p:txBody>
-          <a:bodyPr/>
-          <a:lstStyle/>
-          <a:p>
-            <a:pPr marL="0" indent="0">
-              <a:buNone/>
-            </a:pPr>
-            <a:endParaRPr lang="fr-FR" dirty="0"/>
-          </a:p>
-          <a:p>
-            <a:pPr lvl="0"/>
-            <a:r>
-              <a:rPr lang="fr-FR" dirty="0" smtClean="0"/>
-              <a:t>Créer </a:t>
-            </a:r>
-            <a:r>
-              <a:rPr lang="fr-FR" dirty="0"/>
-              <a:t>une plateforme e-commerce conviviale et intuitive pour les utilisateurs.</a:t>
-            </a:r>
-          </a:p>
-          <a:p>
-            <a:pPr lvl="0"/>
-            <a:r>
-              <a:rPr lang="fr-FR" dirty="0"/>
-              <a:t>Permettre aux utilisateurs de parcourir une large gamme de produits, de les ajouter au panier et de finaliser leur achat en toute sécurité.</a:t>
-            </a:r>
-          </a:p>
-          <a:p>
-            <a:pPr lvl="0"/>
-            <a:r>
-              <a:rPr lang="fr-FR" dirty="0"/>
-              <a:t>Fournir un système de gestion des comptes utilisateur </a:t>
-            </a:r>
-            <a:r>
-              <a:rPr lang="fr-FR" dirty="0" smtClean="0"/>
-              <a:t>permettant, </a:t>
-            </a:r>
-            <a:r>
-              <a:rPr lang="fr-FR" dirty="0"/>
-              <a:t>la connexion, la gestion des informations personnelles et le suivi des commandes.</a:t>
-            </a:r>
-          </a:p>
-          <a:p>
-            <a:pPr lvl="0"/>
-            <a:r>
-              <a:rPr lang="fr-FR" dirty="0" smtClean="0"/>
-              <a:t>Implémenter </a:t>
-            </a:r>
-            <a:r>
-              <a:rPr lang="fr-FR" dirty="0"/>
-              <a:t>un processus de paiement sécurisé et fiable.</a:t>
-            </a:r>
-          </a:p>
-          <a:p>
-            <a:endParaRPr lang="fr-FR" dirty="0"/>
-          </a:p>
-        </p:txBody>
-      </p:sp>
-      <p:sp>
-        <p:nvSpPr>
-          <p:cNvPr id="4" name="Étoile à 7 branches 3"/>
-          <p:cNvSpPr/>
-          <p:nvPr/>
-        </p:nvSpPr>
-        <p:spPr>
-          <a:xfrm>
-            <a:off x="5477347" y="2725677"/>
-            <a:ext cx="5830433" cy="4350190"/>
-          </a:xfrm>
-          <a:prstGeom prst="star7">
+          <a:prstGeom prst="rect">
             <a:avLst/>
           </a:prstGeom>
         </p:spPr>
-        <p:style>
-          <a:lnRef idx="2">
-            <a:schemeClr val="accent1">
-              <a:shade val="50000"/>
-            </a:schemeClr>
-          </a:lnRef>
-          <a:fillRef idx="1">
-            <a:schemeClr val="accent1"/>
-          </a:fillRef>
-          <a:effectRef idx="0">
-            <a:schemeClr val="accent1"/>
-          </a:effectRef>
-          <a:fontRef idx="minor">
-            <a:schemeClr val="lt1"/>
-          </a:fontRef>
-        </p:style>
-        <p:txBody>
-          <a:bodyPr rtlCol="0" anchor="ctr"/>
-          <a:lstStyle/>
-          <a:p>
-            <a:pPr algn="ctr"/>
-            <a:endParaRPr lang="fr-FR" dirty="0" smtClean="0"/>
-          </a:p>
-          <a:p>
-            <a:pPr algn="ctr"/>
+      </p:pic>
+      <p:pic>
+        <p:nvPicPr>
+          <p:cNvPr id="9" name="Image 8"/>
+          <p:cNvPicPr>
+            <a:picLocks noChangeAspect="1"/>
+          </p:cNvPicPr>
+          <p:nvPr/>
+        </p:nvPicPr>
+        <p:blipFill>
+          <a:blip r:embed="rId3">
+            <a:extLst>
+              <a:ext uri="{BEBA8EAE-BF5A-486C-A8C5-ECC9F3942E4B}">
+                <a14:imgProps xmlns:a14="http://schemas.microsoft.com/office/drawing/2010/main">
+                  <a14:imgLayer r:embed="rId4">
+                    <a14:imgEffect>
+                      <a14:backgroundRemoval t="10000" b="90000" l="10000" r="90000">
+                        <a14:foregroundMark x1="65541" y1="22297" x2="65541" y2="22297"/>
+                        <a14:foregroundMark x1="65541" y1="22297" x2="45946" y2="15541"/>
+                        <a14:foregroundMark x1="52027" y1="18243" x2="45270" y2="60811"/>
+                        <a14:foregroundMark x1="45270" y1="60811" x2="45270" y2="60811"/>
+                        <a14:foregroundMark x1="34459" y1="50000" x2="34459" y2="50000"/>
+                        <a14:foregroundMark x1="55405" y1="66216" x2="55405" y2="66216"/>
+                        <a14:foregroundMark x1="68919" y1="49324" x2="68919" y2="49324"/>
+                        <a14:foregroundMark x1="70270" y1="45946" x2="50676" y2="17568"/>
+                        <a14:foregroundMark x1="41216" y1="20270" x2="38514" y2="63514"/>
+                        <a14:foregroundMark x1="59459" y1="70270" x2="75676" y2="43243"/>
+                      </a14:backgroundRemoval>
+                    </a14:imgEffect>
+                  </a14:imgLayer>
+                </a14:imgProps>
+              </a:ext>
+              <a:ext uri="{28A0092B-C50C-407E-A947-70E740481C1C}">
+                <a14:useLocalDpi xmlns:a14="http://schemas.microsoft.com/office/drawing/2010/main" val="0"/>
+              </a:ext>
+            </a:extLst>
+          </a:blip>
+          <a:stretch>
+            <a:fillRect/>
+          </a:stretch>
+        </p:blipFill>
+        <p:spPr>
+          <a:xfrm>
+            <a:off x="1648533" y="5513561"/>
+            <a:ext cx="850964" cy="850964"/>
+          </a:xfrm>
+          <a:prstGeom prst="rect">
+            <a:avLst/>
+          </a:prstGeom>
+        </p:spPr>
+      </p:pic>
+      <p:sp>
+        <p:nvSpPr>
+          <p:cNvPr id="10" name="ZoneTexte 9"/>
+          <p:cNvSpPr txBox="1"/>
+          <p:nvPr/>
+        </p:nvSpPr>
+        <p:spPr>
+          <a:xfrm>
+            <a:off x="2362953" y="5830432"/>
+            <a:ext cx="7242773" cy="369332"/>
+          </a:xfrm>
+          <a:prstGeom prst="rect">
+            <a:avLst/>
+          </a:prstGeom>
+          <a:noFill/>
+        </p:spPr>
+        <p:txBody>
+          <a:bodyPr wrap="square" rtlCol="0">
+            <a:spAutoFit/>
+          </a:bodyPr>
+          <a:lstStyle/>
+          <a:p>
+            <a:r>
+              <a:rPr lang="fr-FR" dirty="0" smtClean="0"/>
+              <a:t>Situé sur la rue de 40,non loin rond point </a:t>
+            </a:r>
+            <a:r>
+              <a:rPr lang="fr-FR" dirty="0" err="1" smtClean="0"/>
+              <a:t>Adoum</a:t>
+            </a:r>
+            <a:r>
+              <a:rPr lang="fr-FR" dirty="0"/>
+              <a:t> </a:t>
+            </a:r>
+            <a:r>
+              <a:rPr lang="fr-FR" dirty="0" err="1" smtClean="0"/>
+              <a:t>Tchere</a:t>
+            </a:r>
+            <a:r>
+              <a:rPr lang="fr-FR" dirty="0" smtClean="0"/>
+              <a:t>, sis </a:t>
+            </a:r>
+            <a:r>
+              <a:rPr lang="fr-FR" dirty="0" err="1" smtClean="0"/>
+              <a:t>ets</a:t>
+            </a:r>
+            <a:r>
+              <a:rPr lang="fr-FR" dirty="0" smtClean="0"/>
+              <a:t> </a:t>
+            </a:r>
+            <a:r>
+              <a:rPr lang="fr-FR" dirty="0" err="1" smtClean="0"/>
+              <a:t>Tigo</a:t>
+            </a:r>
             <a:endParaRPr lang="fr-FR" dirty="0"/>
-          </a:p>
-          <a:p>
-            <a:pPr algn="ctr"/>
-            <a:endParaRPr lang="fr-FR" sz="2000" dirty="0" smtClean="0"/>
-          </a:p>
-          <a:p>
-            <a:pPr algn="ctr"/>
-            <a:r>
-              <a:rPr lang="fr-FR" sz="2400" dirty="0" smtClean="0">
-                <a:solidFill>
-                  <a:schemeClr val="bg2"/>
-                </a:solidFill>
-              </a:rPr>
-              <a:t>Un </a:t>
-            </a:r>
-            <a:r>
-              <a:rPr lang="fr-FR" sz="2400" dirty="0">
-                <a:solidFill>
-                  <a:schemeClr val="bg2"/>
-                </a:solidFill>
-              </a:rPr>
-              <a:t>site catalogue, également </a:t>
-            </a:r>
-            <a:r>
-              <a:rPr lang="fr-FR" sz="2400" dirty="0" smtClean="0">
-                <a:solidFill>
-                  <a:schemeClr val="bg2"/>
-                </a:solidFill>
-              </a:rPr>
-              <a:t>est </a:t>
-            </a:r>
-            <a:r>
-              <a:rPr lang="fr-FR" sz="2400" dirty="0">
-                <a:solidFill>
-                  <a:schemeClr val="bg2"/>
-                </a:solidFill>
-              </a:rPr>
-              <a:t>un </a:t>
-            </a:r>
-            <a:r>
-              <a:rPr lang="fr-FR" sz="2400" b="1" dirty="0">
-                <a:solidFill>
-                  <a:schemeClr val="bg2"/>
-                </a:solidFill>
-              </a:rPr>
-              <a:t>site qui a pour but de présenter différents produits ou services d'une </a:t>
-            </a:r>
-            <a:r>
-              <a:rPr lang="fr-FR" sz="2400" b="1" dirty="0" smtClean="0">
-                <a:solidFill>
-                  <a:schemeClr val="bg2"/>
-                </a:solidFill>
-              </a:rPr>
-              <a:t>entreprise</a:t>
-            </a:r>
-            <a:endParaRPr lang="fr-FR" sz="2000" dirty="0"/>
           </a:p>
         </p:txBody>
       </p:sp>
     </p:spTree>
     <p:extLst>
       <p:ext uri="{BB962C8B-B14F-4D97-AF65-F5344CB8AC3E}">
-        <p14:creationId xmlns:p14="http://schemas.microsoft.com/office/powerpoint/2010/main" val="3834634049"/>
+        <p14:creationId xmlns:p14="http://schemas.microsoft.com/office/powerpoint/2010/main" val="2201804755"/>
       </p:ext>
     </p:extLst>
   </p:cSld>
@@ -6284,23 +6492,24 @@
         </p:nvSpPr>
         <p:spPr>
           <a:xfrm>
-            <a:off x="586799" y="84499"/>
-            <a:ext cx="8596668" cy="1320800"/>
+            <a:off x="568692" y="233483"/>
+            <a:ext cx="8596668" cy="925361"/>
           </a:xfrm>
         </p:spPr>
         <p:txBody>
-          <a:bodyPr/>
+          <a:bodyPr>
+            <a:normAutofit fontScale="90000"/>
+          </a:bodyPr>
           <a:lstStyle/>
           <a:p>
             <a:pPr algn="ctr"/>
             <a:r>
-              <a:rPr lang="fr-FR" dirty="0" smtClean="0"/>
-              <a:t>3.Spécifications </a:t>
-            </a:r>
-            <a:r>
-              <a:rPr lang="fr-FR" dirty="0"/>
-              <a:t>fonctionnelles</a:t>
-            </a:r>
+              <a:rPr lang="fr-FR" b="1" dirty="0"/>
+              <a:t>2. Objectifs</a:t>
+            </a:r>
+            <a:br>
+              <a:rPr lang="fr-FR" b="1" dirty="0"/>
+            </a:br>
             <a:endParaRPr lang="fr-FR" dirty="0"/>
           </a:p>
         </p:txBody>
@@ -6317,144 +6526,193 @@
         </p:nvSpPr>
         <p:spPr>
           <a:xfrm>
-            <a:off x="470779" y="932507"/>
-            <a:ext cx="8990091" cy="5413972"/>
+            <a:off x="383934" y="968721"/>
+            <a:ext cx="8966184" cy="4565647"/>
           </a:xfrm>
         </p:spPr>
         <p:txBody>
-          <a:bodyPr>
-            <a:normAutofit lnSpcReduction="10000"/>
-          </a:bodyPr>
-          <a:lstStyle/>
-          <a:p>
-            <a:r>
-              <a:rPr lang="fr-FR" sz="2000" b="1" dirty="0" smtClean="0"/>
-              <a:t>3.1. </a:t>
-            </a:r>
-            <a:r>
-              <a:rPr lang="fr-FR" sz="2000" b="1" dirty="0"/>
-              <a:t>Gestion des produits</a:t>
-            </a:r>
-          </a:p>
-          <a:p>
-            <a:pPr lvl="0"/>
-            <a:r>
-              <a:rPr lang="fr-FR" sz="2000" dirty="0"/>
-              <a:t>Ajout, édition et suppression de </a:t>
-            </a:r>
-            <a:r>
-              <a:rPr lang="fr-FR" sz="2000" dirty="0" smtClean="0"/>
-              <a:t>produits.</a:t>
+          <a:bodyPr/>
+          <a:lstStyle/>
+          <a:p>
+            <a:pPr marL="0" indent="0">
+              <a:buNone/>
+            </a:pPr>
+            <a:endParaRPr lang="fr-FR" dirty="0"/>
+          </a:p>
+          <a:p>
+            <a:pPr lvl="0">
+              <a:lnSpc>
+                <a:spcPct val="150000"/>
+              </a:lnSpc>
+            </a:pPr>
+            <a:r>
+              <a:rPr lang="fr-FR" dirty="0" smtClean="0"/>
+              <a:t>Créer </a:t>
+            </a:r>
+            <a:r>
+              <a:rPr lang="fr-FR" dirty="0"/>
+              <a:t>une plateforme e-commerce conviviale et intuitive pour les utilisateurs.</a:t>
+            </a:r>
+          </a:p>
+          <a:p>
+            <a:pPr lvl="0">
+              <a:lnSpc>
+                <a:spcPct val="150000"/>
+              </a:lnSpc>
+            </a:pPr>
+            <a:r>
+              <a:rPr lang="fr-FR" dirty="0"/>
+              <a:t>Permettre aux utilisateurs de parcourir une large gamme de produits, de les ajouter au panier et de finaliser leur achat en toute sécurité.</a:t>
+            </a:r>
+          </a:p>
+          <a:p>
+            <a:pPr lvl="0">
+              <a:lnSpc>
+                <a:spcPct val="150000"/>
+              </a:lnSpc>
+            </a:pPr>
+            <a:r>
+              <a:rPr lang="fr-FR" dirty="0"/>
+              <a:t>Fournir un système de gestion des comptes utilisateur </a:t>
+            </a:r>
+            <a:r>
+              <a:rPr lang="fr-FR" dirty="0" smtClean="0"/>
+              <a:t>permettant, </a:t>
+            </a:r>
+            <a:r>
+              <a:rPr lang="fr-FR" dirty="0"/>
+              <a:t>la connexion, la gestion des informations personnelles et le suivi des commandes.</a:t>
+            </a:r>
+          </a:p>
+          <a:p>
+            <a:pPr lvl="0">
+              <a:lnSpc>
+                <a:spcPct val="150000"/>
+              </a:lnSpc>
+            </a:pPr>
+            <a:r>
+              <a:rPr lang="fr-FR" dirty="0" smtClean="0"/>
+              <a:t>Implémenter </a:t>
+            </a:r>
+            <a:r>
+              <a:rPr lang="fr-FR" dirty="0"/>
+              <a:t>un processus de paiement sécurisé et fiable.</a:t>
+            </a:r>
+          </a:p>
+          <a:p>
+            <a:endParaRPr lang="fr-FR" dirty="0"/>
+          </a:p>
+        </p:txBody>
+      </p:sp>
+      <p:sp>
+        <p:nvSpPr>
+          <p:cNvPr id="4" name="Étoile à 7 branches 3"/>
+          <p:cNvSpPr/>
+          <p:nvPr/>
+        </p:nvSpPr>
+        <p:spPr>
+          <a:xfrm>
+            <a:off x="7306147" y="2544024"/>
+            <a:ext cx="5830433" cy="4160650"/>
+          </a:xfrm>
+          <a:prstGeom prst="star7">
+            <a:avLst/>
+          </a:prstGeom>
+          <a:ln w="76200">
+            <a:solidFill>
+              <a:srgbClr val="FFFF00"/>
+            </a:solidFill>
+          </a:ln>
+        </p:spPr>
+        <p:style>
+          <a:lnRef idx="2">
+            <a:schemeClr val="accent1">
+              <a:shade val="50000"/>
+            </a:schemeClr>
+          </a:lnRef>
+          <a:fillRef idx="1">
+            <a:schemeClr val="accent1"/>
+          </a:fillRef>
+          <a:effectRef idx="0">
+            <a:schemeClr val="accent1"/>
+          </a:effectRef>
+          <a:fontRef idx="minor">
+            <a:schemeClr val="lt1"/>
+          </a:fontRef>
+        </p:style>
+        <p:txBody>
+          <a:bodyPr rtlCol="0" anchor="ctr"/>
+          <a:lstStyle/>
+          <a:p>
+            <a:pPr algn="ctr"/>
+            <a:endParaRPr lang="fr-FR" dirty="0" smtClean="0"/>
+          </a:p>
+          <a:p>
+            <a:pPr algn="ctr"/>
+            <a:endParaRPr lang="fr-FR" dirty="0"/>
+          </a:p>
+          <a:p>
+            <a:pPr algn="ctr"/>
+            <a:endParaRPr lang="fr-FR" sz="2000" dirty="0" smtClean="0"/>
+          </a:p>
+          <a:p>
+            <a:pPr algn="ctr"/>
+            <a:r>
+              <a:rPr lang="fr-FR" sz="2400" dirty="0" smtClean="0">
+                <a:solidFill>
+                  <a:schemeClr val="bg2"/>
+                </a:solidFill>
+              </a:rPr>
+              <a:t>Un </a:t>
+            </a:r>
+            <a:r>
+              <a:rPr lang="fr-FR" sz="2400" dirty="0">
+                <a:solidFill>
+                  <a:schemeClr val="bg2"/>
+                </a:solidFill>
+              </a:rPr>
+              <a:t>site catalogue, également </a:t>
+            </a:r>
+            <a:r>
+              <a:rPr lang="fr-FR" sz="2400" dirty="0" smtClean="0">
+                <a:solidFill>
+                  <a:schemeClr val="bg2"/>
+                </a:solidFill>
+              </a:rPr>
+              <a:t>est </a:t>
+            </a:r>
+            <a:r>
+              <a:rPr lang="fr-FR" sz="2400" dirty="0">
+                <a:solidFill>
+                  <a:schemeClr val="bg2"/>
+                </a:solidFill>
+              </a:rPr>
+              <a:t>un </a:t>
+            </a:r>
+            <a:r>
+              <a:rPr lang="fr-FR" sz="2400" b="1" dirty="0">
+                <a:solidFill>
+                  <a:schemeClr val="bg2"/>
+                </a:solidFill>
+              </a:rPr>
+              <a:t>site qui a pour but de présenter différents produits ou services d'une </a:t>
+            </a:r>
+            <a:r>
+              <a:rPr lang="fr-FR" sz="2400" b="1" dirty="0" smtClean="0">
+                <a:solidFill>
+                  <a:schemeClr val="bg2"/>
+                </a:solidFill>
+              </a:rPr>
+              <a:t>entreprise</a:t>
             </a:r>
             <a:endParaRPr lang="fr-FR" sz="2000" dirty="0"/>
-          </a:p>
-          <a:p>
-            <a:pPr marL="0" indent="0">
-              <a:buNone/>
-            </a:pPr>
-            <a:endParaRPr lang="fr-FR" sz="2000" dirty="0"/>
-          </a:p>
-          <a:p>
-            <a:r>
-              <a:rPr lang="fr-FR" sz="2000" b="1" dirty="0" smtClean="0"/>
-              <a:t>3.2. </a:t>
-            </a:r>
-            <a:r>
-              <a:rPr lang="fr-FR" sz="2000" b="1" dirty="0"/>
-              <a:t>Gestion des utilisateurs</a:t>
-            </a:r>
-          </a:p>
-          <a:p>
-            <a:pPr lvl="0"/>
-            <a:r>
-              <a:rPr lang="fr-FR" sz="2000" dirty="0"/>
-              <a:t>Formulaire d'inscription avec validation des champs.</a:t>
-            </a:r>
-          </a:p>
-          <a:p>
-            <a:pPr lvl="0"/>
-            <a:r>
-              <a:rPr lang="fr-FR" sz="2000" dirty="0"/>
-              <a:t>Système de connexion avec gestion des sessions utilisateur.</a:t>
-            </a:r>
-          </a:p>
-          <a:p>
-            <a:pPr lvl="0"/>
-            <a:r>
-              <a:rPr lang="fr-FR" sz="2000" dirty="0"/>
-              <a:t>Modification des informations personnelles (adresse, mot de passe, etc.).</a:t>
-            </a:r>
-          </a:p>
-          <a:p>
-            <a:pPr lvl="0"/>
-            <a:r>
-              <a:rPr lang="fr-FR" sz="2000" dirty="0"/>
-              <a:t>Historique des commandes avec suivi des statuts de livraison</a:t>
-            </a:r>
-            <a:r>
-              <a:rPr lang="fr-FR" sz="2000" dirty="0" smtClean="0"/>
-              <a:t>.</a:t>
-            </a:r>
-          </a:p>
-          <a:p>
-            <a:pPr marL="0" lvl="0" indent="0">
-              <a:buNone/>
-            </a:pPr>
-            <a:endParaRPr lang="fr-FR" sz="2000" dirty="0" smtClean="0"/>
-          </a:p>
-          <a:p>
-            <a:r>
-              <a:rPr lang="fr-FR" sz="2000" b="1" dirty="0" smtClean="0"/>
-              <a:t>3.4. </a:t>
-            </a:r>
-            <a:r>
-              <a:rPr lang="fr-FR" sz="2000" b="1" dirty="0"/>
-              <a:t>Processus de paiement</a:t>
-            </a:r>
-          </a:p>
-          <a:p>
-            <a:pPr lvl="0"/>
-            <a:r>
-              <a:rPr lang="fr-FR" sz="2000" dirty="0"/>
-              <a:t>Intégration de passerelles de paiement sécurisées (ex: </a:t>
-            </a:r>
-            <a:r>
-              <a:rPr lang="fr-FR" sz="2000" dirty="0" err="1"/>
-              <a:t>PayPal</a:t>
-            </a:r>
-            <a:r>
-              <a:rPr lang="fr-FR" sz="2000" dirty="0"/>
-              <a:t>, </a:t>
-            </a:r>
-            <a:r>
-              <a:rPr lang="fr-FR" sz="2000" dirty="0" err="1"/>
-              <a:t>Stripe</a:t>
-            </a:r>
-            <a:r>
-              <a:rPr lang="fr-FR" sz="2000" dirty="0"/>
-              <a:t>).</a:t>
-            </a:r>
-          </a:p>
-          <a:p>
-            <a:pPr lvl="0"/>
-            <a:r>
-              <a:rPr lang="fr-FR" sz="2000" dirty="0"/>
-              <a:t>Processus de paiement en plusieurs étapes avec confirmation de commande et réception de confirmation par e-mail.</a:t>
-            </a:r>
-          </a:p>
-          <a:p>
-            <a:pPr lvl="0"/>
-            <a:endParaRPr lang="fr-FR" sz="2000" dirty="0"/>
-          </a:p>
-          <a:p>
-            <a:endParaRPr lang="fr-FR" dirty="0"/>
           </a:p>
         </p:txBody>
       </p:sp>
     </p:spTree>
     <p:extLst>
       <p:ext uri="{BB962C8B-B14F-4D97-AF65-F5344CB8AC3E}">
-        <p14:creationId xmlns:p14="http://schemas.microsoft.com/office/powerpoint/2010/main" val="3874531686"/>
+        <p14:creationId xmlns:p14="http://schemas.microsoft.com/office/powerpoint/2010/main" val="3834634049"/>
       </p:ext>
     </p:extLst>
   </p:cSld>
@@ -6491,6 +6749,214 @@
             <p:ph type="title"/>
           </p:nvPr>
         </p:nvSpPr>
+        <p:spPr>
+          <a:xfrm>
+            <a:off x="586799" y="84499"/>
+            <a:ext cx="8596668" cy="1320800"/>
+          </a:xfrm>
+        </p:spPr>
+        <p:txBody>
+          <a:bodyPr/>
+          <a:lstStyle/>
+          <a:p>
+            <a:pPr algn="ctr"/>
+            <a:r>
+              <a:rPr lang="fr-FR" dirty="0" smtClean="0"/>
+              <a:t>3.Spécifications </a:t>
+            </a:r>
+            <a:r>
+              <a:rPr lang="fr-FR" dirty="0"/>
+              <a:t>fonctionnelles</a:t>
+            </a:r>
+          </a:p>
+        </p:txBody>
+      </p:sp>
+      <p:sp>
+        <p:nvSpPr>
+          <p:cNvPr id="3" name="Espace réservé du contenu 2"/>
+          <p:cNvSpPr>
+            <a:spLocks noGrp="1"/>
+          </p:cNvSpPr>
+          <p:nvPr>
+            <p:ph idx="1"/>
+          </p:nvPr>
+        </p:nvSpPr>
+        <p:spPr>
+          <a:xfrm>
+            <a:off x="470779" y="932507"/>
+            <a:ext cx="8990091" cy="5413972"/>
+          </a:xfrm>
+        </p:spPr>
+        <p:txBody>
+          <a:bodyPr>
+            <a:normAutofit lnSpcReduction="10000"/>
+          </a:bodyPr>
+          <a:lstStyle/>
+          <a:p>
+            <a:r>
+              <a:rPr lang="fr-FR" sz="2000" b="1" dirty="0" smtClean="0"/>
+              <a:t>3.1. </a:t>
+            </a:r>
+            <a:r>
+              <a:rPr lang="fr-FR" sz="2000" b="1" dirty="0"/>
+              <a:t>Gestion des produits</a:t>
+            </a:r>
+          </a:p>
+          <a:p>
+            <a:pPr lvl="0"/>
+            <a:r>
+              <a:rPr lang="fr-FR" sz="2000" dirty="0"/>
+              <a:t>Ajout, édition et suppression de </a:t>
+            </a:r>
+            <a:r>
+              <a:rPr lang="fr-FR" sz="2000" dirty="0" smtClean="0"/>
+              <a:t>produits.</a:t>
+            </a:r>
+            <a:endParaRPr lang="fr-FR" sz="2000" dirty="0"/>
+          </a:p>
+          <a:p>
+            <a:pPr marL="0" indent="0">
+              <a:buNone/>
+            </a:pPr>
+            <a:endParaRPr lang="fr-FR" sz="2000" dirty="0"/>
+          </a:p>
+          <a:p>
+            <a:r>
+              <a:rPr lang="fr-FR" sz="2000" b="1" dirty="0" smtClean="0"/>
+              <a:t>3.2. </a:t>
+            </a:r>
+            <a:r>
+              <a:rPr lang="fr-FR" sz="2000" b="1" dirty="0"/>
+              <a:t>Gestion des utilisateurs</a:t>
+            </a:r>
+          </a:p>
+          <a:p>
+            <a:pPr lvl="0"/>
+            <a:r>
+              <a:rPr lang="fr-FR" sz="2000" dirty="0"/>
+              <a:t>Formulaire d'inscription avec validation des champs.</a:t>
+            </a:r>
+          </a:p>
+          <a:p>
+            <a:pPr lvl="0"/>
+            <a:r>
+              <a:rPr lang="fr-FR" sz="2000" dirty="0"/>
+              <a:t>Système de connexion avec gestion des sessions utilisateur.</a:t>
+            </a:r>
+          </a:p>
+          <a:p>
+            <a:pPr lvl="0"/>
+            <a:r>
+              <a:rPr lang="fr-FR" sz="2000" dirty="0"/>
+              <a:t>Modification des informations personnelles (adresse, mot de passe, etc.).</a:t>
+            </a:r>
+          </a:p>
+          <a:p>
+            <a:pPr lvl="0"/>
+            <a:r>
+              <a:rPr lang="fr-FR" sz="2000" dirty="0"/>
+              <a:t>Historique des commandes avec suivi des statuts de livraison</a:t>
+            </a:r>
+            <a:r>
+              <a:rPr lang="fr-FR" sz="2000" dirty="0" smtClean="0"/>
+              <a:t>.</a:t>
+            </a:r>
+          </a:p>
+          <a:p>
+            <a:pPr marL="0" lvl="0" indent="0">
+              <a:buNone/>
+            </a:pPr>
+            <a:endParaRPr lang="fr-FR" sz="2000" dirty="0" smtClean="0"/>
+          </a:p>
+          <a:p>
+            <a:r>
+              <a:rPr lang="fr-FR" sz="2000" b="1" dirty="0" smtClean="0"/>
+              <a:t>3.4. </a:t>
+            </a:r>
+            <a:r>
+              <a:rPr lang="fr-FR" sz="2000" b="1" dirty="0"/>
+              <a:t>Processus de paiement</a:t>
+            </a:r>
+          </a:p>
+          <a:p>
+            <a:pPr lvl="0"/>
+            <a:r>
+              <a:rPr lang="fr-FR" sz="2000" dirty="0"/>
+              <a:t>Intégration de passerelles de paiement sécurisées (ex: </a:t>
+            </a:r>
+            <a:r>
+              <a:rPr lang="fr-FR" sz="2000" dirty="0" err="1"/>
+              <a:t>PayPal</a:t>
+            </a:r>
+            <a:r>
+              <a:rPr lang="fr-FR" sz="2000" dirty="0"/>
+              <a:t>, </a:t>
+            </a:r>
+            <a:r>
+              <a:rPr lang="fr-FR" sz="2000" dirty="0" err="1"/>
+              <a:t>Stripe</a:t>
+            </a:r>
+            <a:r>
+              <a:rPr lang="fr-FR" sz="2000" dirty="0"/>
+              <a:t>).</a:t>
+            </a:r>
+          </a:p>
+          <a:p>
+            <a:pPr lvl="0"/>
+            <a:r>
+              <a:rPr lang="fr-FR" sz="2000" dirty="0"/>
+              <a:t>Processus de paiement en plusieurs étapes avec confirmation de commande et réception de confirmation par e-mail.</a:t>
+            </a:r>
+          </a:p>
+          <a:p>
+            <a:pPr lvl="0"/>
+            <a:endParaRPr lang="fr-FR" sz="2000" dirty="0"/>
+          </a:p>
+          <a:p>
+            <a:endParaRPr lang="fr-FR" dirty="0"/>
+          </a:p>
+        </p:txBody>
+      </p:sp>
+    </p:spTree>
+    <p:extLst>
+      <p:ext uri="{BB962C8B-B14F-4D97-AF65-F5344CB8AC3E}">
+        <p14:creationId xmlns:p14="http://schemas.microsoft.com/office/powerpoint/2010/main" val="3874531686"/>
+      </p:ext>
+    </p:extLst>
+  </p:cSld>
+  <p:clrMapOvr>
+    <a:masterClrMapping/>
+  </p:clrMapOvr>
+</p:sld>
+</file>
+
+<file path=ppt/slides/slide6.xml><?xml version="1.0" encoding="utf-8"?>
+<p:sld xmlns:a="http://schemas.openxmlformats.org/drawingml/2006/main" xmlns:r="http://schemas.openxmlformats.org/officeDocument/2006/relationships" xmlns:p="http://schemas.openxmlformats.org/presentationml/2006/main">
+  <p:cSld>
+    <p:spTree>
+      <p:nvGrpSpPr>
+        <p:cNvPr id="1" name=""/>
+        <p:cNvGrpSpPr/>
+        <p:nvPr/>
+      </p:nvGrpSpPr>
+      <p:grpSpPr>
+        <a:xfrm>
+          <a:off x="0" y="0"/>
+          <a:ext cx="0" cy="0"/>
+          <a:chOff x="0" y="0"/>
+          <a:chExt cx="0" cy="0"/>
+        </a:xfrm>
+      </p:grpSpPr>
+      <p:sp>
+        <p:nvSpPr>
+          <p:cNvPr id="2" name="Titre 1"/>
+          <p:cNvSpPr>
+            <a:spLocks noGrp="1"/>
+          </p:cNvSpPr>
+          <p:nvPr>
+            <p:ph type="title"/>
+          </p:nvPr>
+        </p:nvSpPr>
         <p:spPr/>
         <p:txBody>
           <a:bodyPr/>
@@ -6648,7 +7114,7 @@
 </p:sld>
 </file>
 
-<file path=ppt/slides/slide6.xml><?xml version="1.0" encoding="utf-8"?>
+<file path=ppt/slides/slide7.xml><?xml version="1.0" encoding="utf-8"?>
 <p:sld xmlns:a="http://schemas.openxmlformats.org/drawingml/2006/main" xmlns:r="http://schemas.openxmlformats.org/officeDocument/2006/relationships" xmlns:p="http://schemas.openxmlformats.org/presentationml/2006/main">
   <p:cSld>
     <p:spTree>

--- a/zamanna presentation.pptx
+++ b/zamanna presentation.pptx
@@ -7010,11 +7010,15 @@
             <a:endParaRPr lang="fr-FR" sz="2000" b="1" dirty="0"/>
           </a:p>
           <a:p>
-            <a:pPr lvl="0"/>
             <a:r>
               <a:rPr lang="fr-FR" sz="2000" dirty="0"/>
-              <a:t>Utilisation de HTML5, CSS3 et JavaScript pour le développement de l'interface utilisateur.</a:t>
-            </a:r>
+              <a:t>Utilisation de HTML5, CSS3 et JavaScript pour le développement de l'interface </a:t>
+            </a:r>
+            <a:r>
+              <a:rPr lang="fr-FR" sz="2000" dirty="0" smtClean="0"/>
+              <a:t>utilisateur</a:t>
+            </a:r>
+            <a:endParaRPr lang="fr-FR" sz="2000" dirty="0"/>
           </a:p>
           <a:p>
             <a:pPr lvl="0"/>
@@ -7055,6 +7059,9 @@
             </a:r>
           </a:p>
           <a:p>
+            <a:pPr marL="0" indent="0">
+              <a:buNone/>
+            </a:pPr>
             <a:endParaRPr lang="fr-FR" sz="2000" dirty="0" smtClean="0"/>
           </a:p>
           <a:p>
@@ -7089,6 +7096,29 @@
               <a:rPr lang="fr-FR" sz="2000" dirty="0"/>
               <a:t>Framework web tel que Express.js pour la gestion des routes et des requêtes HTTP.</a:t>
             </a:r>
+          </a:p>
+          <a:p>
+            <a:r>
+              <a:rPr lang="fr-FR" sz="2000" b="1" dirty="0"/>
+              <a:t>**</a:t>
+            </a:r>
+            <a:r>
+              <a:rPr lang="fr-FR" sz="2000" b="1" dirty="0" err="1" smtClean="0"/>
+              <a:t>Database:MySQL,MONGO</a:t>
+            </a:r>
+            <a:r>
+              <a:rPr lang="fr-FR" sz="2000" b="1" dirty="0" smtClean="0"/>
+              <a:t>(</a:t>
+            </a:r>
+            <a:r>
+              <a:rPr lang="fr-FR" sz="2000" b="1" dirty="0" err="1" smtClean="0"/>
+              <a:t>stripe</a:t>
+            </a:r>
+            <a:r>
+              <a:rPr lang="fr-FR" sz="2000" b="1" dirty="0" smtClean="0"/>
+              <a:t>)</a:t>
+            </a:r>
+            <a:endParaRPr lang="fr-FR" sz="2000" dirty="0"/>
           </a:p>
           <a:p>
             <a:endParaRPr lang="fr-FR" sz="2000" dirty="0"/>
